--- a/Figures and Paper/Figure PPTs/SAMUS Figure.pptx
+++ b/Figures and Paper/Figure PPTs/SAMUS Figure.pptx
@@ -2,12 +2,12 @@
 <file path=ppt/presentation.xml><?xml version="1.0" encoding="utf-8"?>
 <p:presentation xmlns:a="http://schemas.openxmlformats.org/drawingml/2006/main" xmlns:r="http://schemas.openxmlformats.org/officeDocument/2006/relationships" xmlns:p="http://schemas.openxmlformats.org/presentationml/2006/main" saveSubsetFonts="1">
   <p:sldMasterIdLst>
-    <p:sldMasterId id="2147483696" r:id="rId1"/>
+    <p:sldMasterId id="2147483720" r:id="rId1"/>
   </p:sldMasterIdLst>
   <p:sldIdLst>
     <p:sldId id="256" r:id="rId2"/>
   </p:sldIdLst>
-  <p:sldSz cx="13716000" cy="21945600"/>
+  <p:sldSz cx="11887200" cy="16459200"/>
   <p:notesSz cx="6858000" cy="9144000"/>
   <p:defaultTextStyle>
     <a:defPPr>
@@ -141,15 +141,15 @@
         </p:nvSpPr>
         <p:spPr>
           <a:xfrm>
-            <a:off x="1028700" y="3591562"/>
-            <a:ext cx="11658600" cy="7640320"/>
+            <a:off x="891540" y="2693671"/>
+            <a:ext cx="10104120" cy="5730240"/>
           </a:xfrm>
         </p:spPr>
         <p:txBody>
           <a:bodyPr anchor="b"/>
           <a:lstStyle>
             <a:lvl1pPr algn="ctr">
-              <a:defRPr sz="9000"/>
+              <a:defRPr sz="7800"/>
             </a:lvl1pPr>
           </a:lstStyle>
           <a:p>
@@ -173,8 +173,8 @@
         </p:nvSpPr>
         <p:spPr>
           <a:xfrm>
-            <a:off x="1714500" y="11526522"/>
-            <a:ext cx="10287000" cy="5298438"/>
+            <a:off x="1485900" y="8644891"/>
+            <a:ext cx="8915400" cy="3973829"/>
           </a:xfrm>
         </p:spPr>
         <p:txBody>
@@ -182,39 +182,39 @@
           <a:lstStyle>
             <a:lvl1pPr marL="0" indent="0" algn="ctr">
               <a:buNone/>
-              <a:defRPr sz="3600"/>
+              <a:defRPr sz="3120"/>
             </a:lvl1pPr>
-            <a:lvl2pPr marL="685800" indent="0" algn="ctr">
-              <a:buNone/>
-              <a:defRPr sz="3000"/>
+            <a:lvl2pPr marL="594360" indent="0" algn="ctr">
+              <a:buNone/>
+              <a:defRPr sz="2600"/>
             </a:lvl2pPr>
-            <a:lvl3pPr marL="1371600" indent="0" algn="ctr">
-              <a:buNone/>
-              <a:defRPr sz="2700"/>
+            <a:lvl3pPr marL="1188720" indent="0" algn="ctr">
+              <a:buNone/>
+              <a:defRPr sz="2340"/>
             </a:lvl3pPr>
-            <a:lvl4pPr marL="2057400" indent="0" algn="ctr">
-              <a:buNone/>
-              <a:defRPr sz="2400"/>
+            <a:lvl4pPr marL="1783080" indent="0" algn="ctr">
+              <a:buNone/>
+              <a:defRPr sz="2080"/>
             </a:lvl4pPr>
-            <a:lvl5pPr marL="2743200" indent="0" algn="ctr">
-              <a:buNone/>
-              <a:defRPr sz="2400"/>
+            <a:lvl5pPr marL="2377440" indent="0" algn="ctr">
+              <a:buNone/>
+              <a:defRPr sz="2080"/>
             </a:lvl5pPr>
-            <a:lvl6pPr marL="3429000" indent="0" algn="ctr">
-              <a:buNone/>
-              <a:defRPr sz="2400"/>
+            <a:lvl6pPr marL="2971800" indent="0" algn="ctr">
+              <a:buNone/>
+              <a:defRPr sz="2080"/>
             </a:lvl6pPr>
-            <a:lvl7pPr marL="4114800" indent="0" algn="ctr">
-              <a:buNone/>
-              <a:defRPr sz="2400"/>
+            <a:lvl7pPr marL="3566160" indent="0" algn="ctr">
+              <a:buNone/>
+              <a:defRPr sz="2080"/>
             </a:lvl7pPr>
-            <a:lvl8pPr marL="4800600" indent="0" algn="ctr">
-              <a:buNone/>
-              <a:defRPr sz="2400"/>
+            <a:lvl8pPr marL="4160520" indent="0" algn="ctr">
+              <a:buNone/>
+              <a:defRPr sz="2080"/>
             </a:lvl8pPr>
-            <a:lvl9pPr marL="5486400" indent="0" algn="ctr">
-              <a:buNone/>
-              <a:defRPr sz="2400"/>
+            <a:lvl9pPr marL="4754880" indent="0" algn="ctr">
+              <a:buNone/>
+              <a:defRPr sz="2080"/>
             </a:lvl9pPr>
           </a:lstStyle>
           <a:p>
@@ -243,7 +243,7 @@
           <a:p>
             <a:fld id="{3B9C3AD5-EB72-4EC3-A7DF-443CA5C7FD88}" type="datetimeFigureOut">
               <a:rPr lang="en-US" smtClean="0"/>
-              <a:t>8/4/2022</a:t>
+              <a:t>9/5/2022</a:t>
             </a:fld>
             <a:endParaRPr lang="en-US"/>
           </a:p>
@@ -294,7 +294,7 @@
     </p:spTree>
     <p:extLst>
       <p:ext uri="{BB962C8B-B14F-4D97-AF65-F5344CB8AC3E}">
-        <p14:creationId xmlns:p14="http://schemas.microsoft.com/office/powerpoint/2010/main" val="2082328854"/>
+        <p14:creationId xmlns:p14="http://schemas.microsoft.com/office/powerpoint/2010/main" val="1514987583"/>
       </p:ext>
     </p:extLst>
   </p:cSld>
@@ -413,7 +413,7 @@
           <a:p>
             <a:fld id="{3B9C3AD5-EB72-4EC3-A7DF-443CA5C7FD88}" type="datetimeFigureOut">
               <a:rPr lang="en-US" smtClean="0"/>
-              <a:t>8/4/2022</a:t>
+              <a:t>9/5/2022</a:t>
             </a:fld>
             <a:endParaRPr lang="en-US"/>
           </a:p>
@@ -464,7 +464,7 @@
     </p:spTree>
     <p:extLst>
       <p:ext uri="{BB962C8B-B14F-4D97-AF65-F5344CB8AC3E}">
-        <p14:creationId xmlns:p14="http://schemas.microsoft.com/office/powerpoint/2010/main" val="4079615480"/>
+        <p14:creationId xmlns:p14="http://schemas.microsoft.com/office/powerpoint/2010/main" val="3058267711"/>
       </p:ext>
     </p:extLst>
   </p:cSld>
@@ -503,8 +503,8 @@
         </p:nvSpPr>
         <p:spPr>
           <a:xfrm>
-            <a:off x="9815513" y="1168400"/>
-            <a:ext cx="2957513" cy="18597882"/>
+            <a:off x="8506778" y="876300"/>
+            <a:ext cx="2563178" cy="13948411"/>
           </a:xfrm>
         </p:spPr>
         <p:txBody>
@@ -531,8 +531,8 @@
         </p:nvSpPr>
         <p:spPr>
           <a:xfrm>
-            <a:off x="942976" y="1168400"/>
-            <a:ext cx="8701088" cy="18597882"/>
+            <a:off x="817245" y="876300"/>
+            <a:ext cx="7540943" cy="13948411"/>
           </a:xfrm>
         </p:spPr>
         <p:txBody>
@@ -593,7 +593,7 @@
           <a:p>
             <a:fld id="{3B9C3AD5-EB72-4EC3-A7DF-443CA5C7FD88}" type="datetimeFigureOut">
               <a:rPr lang="en-US" smtClean="0"/>
-              <a:t>8/4/2022</a:t>
+              <a:t>9/5/2022</a:t>
             </a:fld>
             <a:endParaRPr lang="en-US"/>
           </a:p>
@@ -644,7 +644,7 @@
     </p:spTree>
     <p:extLst>
       <p:ext uri="{BB962C8B-B14F-4D97-AF65-F5344CB8AC3E}">
-        <p14:creationId xmlns:p14="http://schemas.microsoft.com/office/powerpoint/2010/main" val="3053556614"/>
+        <p14:creationId xmlns:p14="http://schemas.microsoft.com/office/powerpoint/2010/main" val="1616106188"/>
       </p:ext>
     </p:extLst>
   </p:cSld>
@@ -763,7 +763,7 @@
           <a:p>
             <a:fld id="{3B9C3AD5-EB72-4EC3-A7DF-443CA5C7FD88}" type="datetimeFigureOut">
               <a:rPr lang="en-US" smtClean="0"/>
-              <a:t>8/4/2022</a:t>
+              <a:t>9/5/2022</a:t>
             </a:fld>
             <a:endParaRPr lang="en-US"/>
           </a:p>
@@ -814,7 +814,7 @@
     </p:spTree>
     <p:extLst>
       <p:ext uri="{BB962C8B-B14F-4D97-AF65-F5344CB8AC3E}">
-        <p14:creationId xmlns:p14="http://schemas.microsoft.com/office/powerpoint/2010/main" val="1777887289"/>
+        <p14:creationId xmlns:p14="http://schemas.microsoft.com/office/powerpoint/2010/main" val="3339068714"/>
       </p:ext>
     </p:extLst>
   </p:cSld>
@@ -853,15 +853,15 @@
         </p:nvSpPr>
         <p:spPr>
           <a:xfrm>
-            <a:off x="935832" y="5471167"/>
-            <a:ext cx="11830050" cy="9128758"/>
+            <a:off x="811054" y="4103375"/>
+            <a:ext cx="10252710" cy="6846569"/>
           </a:xfrm>
         </p:spPr>
         <p:txBody>
           <a:bodyPr anchor="b"/>
           <a:lstStyle>
             <a:lvl1pPr>
-              <a:defRPr sz="9000"/>
+              <a:defRPr sz="7800"/>
             </a:lvl1pPr>
           </a:lstStyle>
           <a:p>
@@ -885,8 +885,8 @@
         </p:nvSpPr>
         <p:spPr>
           <a:xfrm>
-            <a:off x="935832" y="14686287"/>
-            <a:ext cx="11830050" cy="4800598"/>
+            <a:off x="811054" y="11014715"/>
+            <a:ext cx="10252710" cy="3600449"/>
           </a:xfrm>
         </p:spPr>
         <p:txBody>
@@ -894,15 +894,15 @@
           <a:lstStyle>
             <a:lvl1pPr marL="0" indent="0">
               <a:buNone/>
-              <a:defRPr sz="3600">
+              <a:defRPr sz="3120">
                 <a:solidFill>
                   <a:schemeClr val="tx1"/>
                 </a:solidFill>
               </a:defRPr>
             </a:lvl1pPr>
-            <a:lvl2pPr marL="685800" indent="0">
-              <a:buNone/>
-              <a:defRPr sz="3000">
+            <a:lvl2pPr marL="594360" indent="0">
+              <a:buNone/>
+              <a:defRPr sz="2600">
                 <a:solidFill>
                   <a:schemeClr val="tx1">
                     <a:tint val="75000"/>
@@ -910,9 +910,9 @@
                 </a:solidFill>
               </a:defRPr>
             </a:lvl2pPr>
-            <a:lvl3pPr marL="1371600" indent="0">
-              <a:buNone/>
-              <a:defRPr sz="2700">
+            <a:lvl3pPr marL="1188720" indent="0">
+              <a:buNone/>
+              <a:defRPr sz="2340">
                 <a:solidFill>
                   <a:schemeClr val="tx1">
                     <a:tint val="75000"/>
@@ -920,9 +920,9 @@
                 </a:solidFill>
               </a:defRPr>
             </a:lvl3pPr>
-            <a:lvl4pPr marL="2057400" indent="0">
-              <a:buNone/>
-              <a:defRPr sz="2400">
+            <a:lvl4pPr marL="1783080" indent="0">
+              <a:buNone/>
+              <a:defRPr sz="2080">
                 <a:solidFill>
                   <a:schemeClr val="tx1">
                     <a:tint val="75000"/>
@@ -930,9 +930,9 @@
                 </a:solidFill>
               </a:defRPr>
             </a:lvl4pPr>
-            <a:lvl5pPr marL="2743200" indent="0">
-              <a:buNone/>
-              <a:defRPr sz="2400">
+            <a:lvl5pPr marL="2377440" indent="0">
+              <a:buNone/>
+              <a:defRPr sz="2080">
                 <a:solidFill>
                   <a:schemeClr val="tx1">
                     <a:tint val="75000"/>
@@ -940,9 +940,9 @@
                 </a:solidFill>
               </a:defRPr>
             </a:lvl5pPr>
-            <a:lvl6pPr marL="3429000" indent="0">
-              <a:buNone/>
-              <a:defRPr sz="2400">
+            <a:lvl6pPr marL="2971800" indent="0">
+              <a:buNone/>
+              <a:defRPr sz="2080">
                 <a:solidFill>
                   <a:schemeClr val="tx1">
                     <a:tint val="75000"/>
@@ -950,9 +950,9 @@
                 </a:solidFill>
               </a:defRPr>
             </a:lvl6pPr>
-            <a:lvl7pPr marL="4114800" indent="0">
-              <a:buNone/>
-              <a:defRPr sz="2400">
+            <a:lvl7pPr marL="3566160" indent="0">
+              <a:buNone/>
+              <a:defRPr sz="2080">
                 <a:solidFill>
                   <a:schemeClr val="tx1">
                     <a:tint val="75000"/>
@@ -960,9 +960,9 @@
                 </a:solidFill>
               </a:defRPr>
             </a:lvl7pPr>
-            <a:lvl8pPr marL="4800600" indent="0">
-              <a:buNone/>
-              <a:defRPr sz="2400">
+            <a:lvl8pPr marL="4160520" indent="0">
+              <a:buNone/>
+              <a:defRPr sz="2080">
                 <a:solidFill>
                   <a:schemeClr val="tx1">
                     <a:tint val="75000"/>
@@ -970,9 +970,9 @@
                 </a:solidFill>
               </a:defRPr>
             </a:lvl8pPr>
-            <a:lvl9pPr marL="5486400" indent="0">
-              <a:buNone/>
-              <a:defRPr sz="2400">
+            <a:lvl9pPr marL="4754880" indent="0">
+              <a:buNone/>
+              <a:defRPr sz="2080">
                 <a:solidFill>
                   <a:schemeClr val="tx1">
                     <a:tint val="75000"/>
@@ -1007,7 +1007,7 @@
           <a:p>
             <a:fld id="{3B9C3AD5-EB72-4EC3-A7DF-443CA5C7FD88}" type="datetimeFigureOut">
               <a:rPr lang="en-US" smtClean="0"/>
-              <a:t>8/4/2022</a:t>
+              <a:t>9/5/2022</a:t>
             </a:fld>
             <a:endParaRPr lang="en-US"/>
           </a:p>
@@ -1058,7 +1058,7 @@
     </p:spTree>
     <p:extLst>
       <p:ext uri="{BB962C8B-B14F-4D97-AF65-F5344CB8AC3E}">
-        <p14:creationId xmlns:p14="http://schemas.microsoft.com/office/powerpoint/2010/main" val="2491449549"/>
+        <p14:creationId xmlns:p14="http://schemas.microsoft.com/office/powerpoint/2010/main" val="578951458"/>
       </p:ext>
     </p:extLst>
   </p:cSld>
@@ -1120,8 +1120,8 @@
         </p:nvSpPr>
         <p:spPr>
           <a:xfrm>
-            <a:off x="942975" y="5842000"/>
-            <a:ext cx="5829300" cy="13924282"/>
+            <a:off x="817245" y="4381500"/>
+            <a:ext cx="5052060" cy="10443211"/>
           </a:xfrm>
         </p:spPr>
         <p:txBody>
@@ -1177,8 +1177,8 @@
         </p:nvSpPr>
         <p:spPr>
           <a:xfrm>
-            <a:off x="6943725" y="5842000"/>
-            <a:ext cx="5829300" cy="13924282"/>
+            <a:off x="6017895" y="4381500"/>
+            <a:ext cx="5052060" cy="10443211"/>
           </a:xfrm>
         </p:spPr>
         <p:txBody>
@@ -1239,7 +1239,7 @@
           <a:p>
             <a:fld id="{3B9C3AD5-EB72-4EC3-A7DF-443CA5C7FD88}" type="datetimeFigureOut">
               <a:rPr lang="en-US" smtClean="0"/>
-              <a:t>8/4/2022</a:t>
+              <a:t>9/5/2022</a:t>
             </a:fld>
             <a:endParaRPr lang="en-US"/>
           </a:p>
@@ -1290,7 +1290,7 @@
     </p:spTree>
     <p:extLst>
       <p:ext uri="{BB962C8B-B14F-4D97-AF65-F5344CB8AC3E}">
-        <p14:creationId xmlns:p14="http://schemas.microsoft.com/office/powerpoint/2010/main" val="2775744732"/>
+        <p14:creationId xmlns:p14="http://schemas.microsoft.com/office/powerpoint/2010/main" val="1098575198"/>
       </p:ext>
     </p:extLst>
   </p:cSld>
@@ -1329,8 +1329,8 @@
         </p:nvSpPr>
         <p:spPr>
           <a:xfrm>
-            <a:off x="944762" y="1168405"/>
-            <a:ext cx="11830050" cy="4241802"/>
+            <a:off x="818793" y="876304"/>
+            <a:ext cx="10252710" cy="3181351"/>
           </a:xfrm>
         </p:spPr>
         <p:txBody>
@@ -1357,8 +1357,8 @@
         </p:nvSpPr>
         <p:spPr>
           <a:xfrm>
-            <a:off x="944763" y="5379722"/>
-            <a:ext cx="5802510" cy="2636518"/>
+            <a:off x="818795" y="4034791"/>
+            <a:ext cx="5028842" cy="1977389"/>
           </a:xfrm>
         </p:spPr>
         <p:txBody>
@@ -1366,39 +1366,39 @@
           <a:lstStyle>
             <a:lvl1pPr marL="0" indent="0">
               <a:buNone/>
-              <a:defRPr sz="3600" b="1"/>
+              <a:defRPr sz="3120" b="1"/>
             </a:lvl1pPr>
-            <a:lvl2pPr marL="685800" indent="0">
-              <a:buNone/>
-              <a:defRPr sz="3000" b="1"/>
+            <a:lvl2pPr marL="594360" indent="0">
+              <a:buNone/>
+              <a:defRPr sz="2600" b="1"/>
             </a:lvl2pPr>
-            <a:lvl3pPr marL="1371600" indent="0">
-              <a:buNone/>
-              <a:defRPr sz="2700" b="1"/>
+            <a:lvl3pPr marL="1188720" indent="0">
+              <a:buNone/>
+              <a:defRPr sz="2340" b="1"/>
             </a:lvl3pPr>
-            <a:lvl4pPr marL="2057400" indent="0">
-              <a:buNone/>
-              <a:defRPr sz="2400" b="1"/>
+            <a:lvl4pPr marL="1783080" indent="0">
+              <a:buNone/>
+              <a:defRPr sz="2080" b="1"/>
             </a:lvl4pPr>
-            <a:lvl5pPr marL="2743200" indent="0">
-              <a:buNone/>
-              <a:defRPr sz="2400" b="1"/>
+            <a:lvl5pPr marL="2377440" indent="0">
+              <a:buNone/>
+              <a:defRPr sz="2080" b="1"/>
             </a:lvl5pPr>
-            <a:lvl6pPr marL="3429000" indent="0">
-              <a:buNone/>
-              <a:defRPr sz="2400" b="1"/>
+            <a:lvl6pPr marL="2971800" indent="0">
+              <a:buNone/>
+              <a:defRPr sz="2080" b="1"/>
             </a:lvl6pPr>
-            <a:lvl7pPr marL="4114800" indent="0">
-              <a:buNone/>
-              <a:defRPr sz="2400" b="1"/>
+            <a:lvl7pPr marL="3566160" indent="0">
+              <a:buNone/>
+              <a:defRPr sz="2080" b="1"/>
             </a:lvl7pPr>
-            <a:lvl8pPr marL="4800600" indent="0">
-              <a:buNone/>
-              <a:defRPr sz="2400" b="1"/>
+            <a:lvl8pPr marL="4160520" indent="0">
+              <a:buNone/>
+              <a:defRPr sz="2080" b="1"/>
             </a:lvl8pPr>
-            <a:lvl9pPr marL="5486400" indent="0">
-              <a:buNone/>
-              <a:defRPr sz="2400" b="1"/>
+            <a:lvl9pPr marL="4754880" indent="0">
+              <a:buNone/>
+              <a:defRPr sz="2080" b="1"/>
             </a:lvl9pPr>
           </a:lstStyle>
           <a:p>
@@ -1422,8 +1422,8 @@
         </p:nvSpPr>
         <p:spPr>
           <a:xfrm>
-            <a:off x="944763" y="8016240"/>
-            <a:ext cx="5802510" cy="11790682"/>
+            <a:off x="818795" y="6012180"/>
+            <a:ext cx="5028842" cy="8843011"/>
           </a:xfrm>
         </p:spPr>
         <p:txBody>
@@ -1479,8 +1479,8 @@
         </p:nvSpPr>
         <p:spPr>
           <a:xfrm>
-            <a:off x="6943726" y="5379722"/>
-            <a:ext cx="5831087" cy="2636518"/>
+            <a:off x="6017896" y="4034791"/>
+            <a:ext cx="5053608" cy="1977389"/>
           </a:xfrm>
         </p:spPr>
         <p:txBody>
@@ -1488,39 +1488,39 @@
           <a:lstStyle>
             <a:lvl1pPr marL="0" indent="0">
               <a:buNone/>
-              <a:defRPr sz="3600" b="1"/>
+              <a:defRPr sz="3120" b="1"/>
             </a:lvl1pPr>
-            <a:lvl2pPr marL="685800" indent="0">
-              <a:buNone/>
-              <a:defRPr sz="3000" b="1"/>
+            <a:lvl2pPr marL="594360" indent="0">
+              <a:buNone/>
+              <a:defRPr sz="2600" b="1"/>
             </a:lvl2pPr>
-            <a:lvl3pPr marL="1371600" indent="0">
-              <a:buNone/>
-              <a:defRPr sz="2700" b="1"/>
+            <a:lvl3pPr marL="1188720" indent="0">
+              <a:buNone/>
+              <a:defRPr sz="2340" b="1"/>
             </a:lvl3pPr>
-            <a:lvl4pPr marL="2057400" indent="0">
-              <a:buNone/>
-              <a:defRPr sz="2400" b="1"/>
+            <a:lvl4pPr marL="1783080" indent="0">
+              <a:buNone/>
+              <a:defRPr sz="2080" b="1"/>
             </a:lvl4pPr>
-            <a:lvl5pPr marL="2743200" indent="0">
-              <a:buNone/>
-              <a:defRPr sz="2400" b="1"/>
+            <a:lvl5pPr marL="2377440" indent="0">
+              <a:buNone/>
+              <a:defRPr sz="2080" b="1"/>
             </a:lvl5pPr>
-            <a:lvl6pPr marL="3429000" indent="0">
-              <a:buNone/>
-              <a:defRPr sz="2400" b="1"/>
+            <a:lvl6pPr marL="2971800" indent="0">
+              <a:buNone/>
+              <a:defRPr sz="2080" b="1"/>
             </a:lvl6pPr>
-            <a:lvl7pPr marL="4114800" indent="0">
-              <a:buNone/>
-              <a:defRPr sz="2400" b="1"/>
+            <a:lvl7pPr marL="3566160" indent="0">
+              <a:buNone/>
+              <a:defRPr sz="2080" b="1"/>
             </a:lvl7pPr>
-            <a:lvl8pPr marL="4800600" indent="0">
-              <a:buNone/>
-              <a:defRPr sz="2400" b="1"/>
+            <a:lvl8pPr marL="4160520" indent="0">
+              <a:buNone/>
+              <a:defRPr sz="2080" b="1"/>
             </a:lvl8pPr>
-            <a:lvl9pPr marL="5486400" indent="0">
-              <a:buNone/>
-              <a:defRPr sz="2400" b="1"/>
+            <a:lvl9pPr marL="4754880" indent="0">
+              <a:buNone/>
+              <a:defRPr sz="2080" b="1"/>
             </a:lvl9pPr>
           </a:lstStyle>
           <a:p>
@@ -1544,8 +1544,8 @@
         </p:nvSpPr>
         <p:spPr>
           <a:xfrm>
-            <a:off x="6943726" y="8016240"/>
-            <a:ext cx="5831087" cy="11790682"/>
+            <a:off x="6017896" y="6012180"/>
+            <a:ext cx="5053608" cy="8843011"/>
           </a:xfrm>
         </p:spPr>
         <p:txBody>
@@ -1606,7 +1606,7 @@
           <a:p>
             <a:fld id="{3B9C3AD5-EB72-4EC3-A7DF-443CA5C7FD88}" type="datetimeFigureOut">
               <a:rPr lang="en-US" smtClean="0"/>
-              <a:t>8/4/2022</a:t>
+              <a:t>9/5/2022</a:t>
             </a:fld>
             <a:endParaRPr lang="en-US"/>
           </a:p>
@@ -1657,7 +1657,7 @@
     </p:spTree>
     <p:extLst>
       <p:ext uri="{BB962C8B-B14F-4D97-AF65-F5344CB8AC3E}">
-        <p14:creationId xmlns:p14="http://schemas.microsoft.com/office/powerpoint/2010/main" val="2953794336"/>
+        <p14:creationId xmlns:p14="http://schemas.microsoft.com/office/powerpoint/2010/main" val="3906151120"/>
       </p:ext>
     </p:extLst>
   </p:cSld>
@@ -1724,7 +1724,7 @@
           <a:p>
             <a:fld id="{3B9C3AD5-EB72-4EC3-A7DF-443CA5C7FD88}" type="datetimeFigureOut">
               <a:rPr lang="en-US" smtClean="0"/>
-              <a:t>8/4/2022</a:t>
+              <a:t>9/5/2022</a:t>
             </a:fld>
             <a:endParaRPr lang="en-US"/>
           </a:p>
@@ -1775,7 +1775,7 @@
     </p:spTree>
     <p:extLst>
       <p:ext uri="{BB962C8B-B14F-4D97-AF65-F5344CB8AC3E}">
-        <p14:creationId xmlns:p14="http://schemas.microsoft.com/office/powerpoint/2010/main" val="2247349816"/>
+        <p14:creationId xmlns:p14="http://schemas.microsoft.com/office/powerpoint/2010/main" val="1249424264"/>
       </p:ext>
     </p:extLst>
   </p:cSld>
@@ -1819,7 +1819,7 @@
           <a:p>
             <a:fld id="{3B9C3AD5-EB72-4EC3-A7DF-443CA5C7FD88}" type="datetimeFigureOut">
               <a:rPr lang="en-US" smtClean="0"/>
-              <a:t>8/4/2022</a:t>
+              <a:t>9/5/2022</a:t>
             </a:fld>
             <a:endParaRPr lang="en-US"/>
           </a:p>
@@ -1870,7 +1870,7 @@
     </p:spTree>
     <p:extLst>
       <p:ext uri="{BB962C8B-B14F-4D97-AF65-F5344CB8AC3E}">
-        <p14:creationId xmlns:p14="http://schemas.microsoft.com/office/powerpoint/2010/main" val="1048572059"/>
+        <p14:creationId xmlns:p14="http://schemas.microsoft.com/office/powerpoint/2010/main" val="1830334222"/>
       </p:ext>
     </p:extLst>
   </p:cSld>
@@ -1909,15 +1909,15 @@
         </p:nvSpPr>
         <p:spPr>
           <a:xfrm>
-            <a:off x="944762" y="1463040"/>
-            <a:ext cx="4423767" cy="5120640"/>
+            <a:off x="818794" y="1097280"/>
+            <a:ext cx="3833931" cy="3840480"/>
           </a:xfrm>
         </p:spPr>
         <p:txBody>
           <a:bodyPr anchor="b"/>
           <a:lstStyle>
             <a:lvl1pPr>
-              <a:defRPr sz="4800"/>
+              <a:defRPr sz="4160"/>
             </a:lvl1pPr>
           </a:lstStyle>
           <a:p>
@@ -1941,39 +1941,39 @@
         </p:nvSpPr>
         <p:spPr>
           <a:xfrm>
-            <a:off x="5831087" y="3159765"/>
-            <a:ext cx="6943725" cy="15595600"/>
+            <a:off x="5053608" y="2369824"/>
+            <a:ext cx="6017895" cy="11696700"/>
           </a:xfrm>
         </p:spPr>
         <p:txBody>
           <a:bodyPr/>
           <a:lstStyle>
             <a:lvl1pPr>
-              <a:defRPr sz="4800"/>
+              <a:defRPr sz="4160"/>
             </a:lvl1pPr>
             <a:lvl2pPr>
-              <a:defRPr sz="4200"/>
+              <a:defRPr sz="3640"/>
             </a:lvl2pPr>
             <a:lvl3pPr>
-              <a:defRPr sz="3600"/>
+              <a:defRPr sz="3120"/>
             </a:lvl3pPr>
             <a:lvl4pPr>
-              <a:defRPr sz="3000"/>
+              <a:defRPr sz="2600"/>
             </a:lvl4pPr>
             <a:lvl5pPr>
-              <a:defRPr sz="3000"/>
+              <a:defRPr sz="2600"/>
             </a:lvl5pPr>
             <a:lvl6pPr>
-              <a:defRPr sz="3000"/>
+              <a:defRPr sz="2600"/>
             </a:lvl6pPr>
             <a:lvl7pPr>
-              <a:defRPr sz="3000"/>
+              <a:defRPr sz="2600"/>
             </a:lvl7pPr>
             <a:lvl8pPr>
-              <a:defRPr sz="3000"/>
+              <a:defRPr sz="2600"/>
             </a:lvl8pPr>
             <a:lvl9pPr>
-              <a:defRPr sz="3000"/>
+              <a:defRPr sz="2600"/>
             </a:lvl9pPr>
           </a:lstStyle>
           <a:p>
@@ -2026,8 +2026,8 @@
         </p:nvSpPr>
         <p:spPr>
           <a:xfrm>
-            <a:off x="944762" y="6583680"/>
-            <a:ext cx="4423767" cy="12197082"/>
+            <a:off x="818794" y="4937760"/>
+            <a:ext cx="3833931" cy="9147811"/>
           </a:xfrm>
         </p:spPr>
         <p:txBody>
@@ -2035,39 +2035,39 @@
           <a:lstStyle>
             <a:lvl1pPr marL="0" indent="0">
               <a:buNone/>
-              <a:defRPr sz="2400"/>
+              <a:defRPr sz="2080"/>
             </a:lvl1pPr>
-            <a:lvl2pPr marL="685800" indent="0">
-              <a:buNone/>
-              <a:defRPr sz="2100"/>
+            <a:lvl2pPr marL="594360" indent="0">
+              <a:buNone/>
+              <a:defRPr sz="1820"/>
             </a:lvl2pPr>
-            <a:lvl3pPr marL="1371600" indent="0">
-              <a:buNone/>
-              <a:defRPr sz="1800"/>
+            <a:lvl3pPr marL="1188720" indent="0">
+              <a:buNone/>
+              <a:defRPr sz="1560"/>
             </a:lvl3pPr>
-            <a:lvl4pPr marL="2057400" indent="0">
-              <a:buNone/>
-              <a:defRPr sz="1500"/>
+            <a:lvl4pPr marL="1783080" indent="0">
+              <a:buNone/>
+              <a:defRPr sz="1300"/>
             </a:lvl4pPr>
-            <a:lvl5pPr marL="2743200" indent="0">
-              <a:buNone/>
-              <a:defRPr sz="1500"/>
+            <a:lvl5pPr marL="2377440" indent="0">
+              <a:buNone/>
+              <a:defRPr sz="1300"/>
             </a:lvl5pPr>
-            <a:lvl6pPr marL="3429000" indent="0">
-              <a:buNone/>
-              <a:defRPr sz="1500"/>
+            <a:lvl6pPr marL="2971800" indent="0">
+              <a:buNone/>
+              <a:defRPr sz="1300"/>
             </a:lvl6pPr>
-            <a:lvl7pPr marL="4114800" indent="0">
-              <a:buNone/>
-              <a:defRPr sz="1500"/>
+            <a:lvl7pPr marL="3566160" indent="0">
+              <a:buNone/>
+              <a:defRPr sz="1300"/>
             </a:lvl7pPr>
-            <a:lvl8pPr marL="4800600" indent="0">
-              <a:buNone/>
-              <a:defRPr sz="1500"/>
+            <a:lvl8pPr marL="4160520" indent="0">
+              <a:buNone/>
+              <a:defRPr sz="1300"/>
             </a:lvl8pPr>
-            <a:lvl9pPr marL="5486400" indent="0">
-              <a:buNone/>
-              <a:defRPr sz="1500"/>
+            <a:lvl9pPr marL="4754880" indent="0">
+              <a:buNone/>
+              <a:defRPr sz="1300"/>
             </a:lvl9pPr>
           </a:lstStyle>
           <a:p>
@@ -2096,7 +2096,7 @@
           <a:p>
             <a:fld id="{3B9C3AD5-EB72-4EC3-A7DF-443CA5C7FD88}" type="datetimeFigureOut">
               <a:rPr lang="en-US" smtClean="0"/>
-              <a:t>8/4/2022</a:t>
+              <a:t>9/5/2022</a:t>
             </a:fld>
             <a:endParaRPr lang="en-US"/>
           </a:p>
@@ -2147,7 +2147,7 @@
     </p:spTree>
     <p:extLst>
       <p:ext uri="{BB962C8B-B14F-4D97-AF65-F5344CB8AC3E}">
-        <p14:creationId xmlns:p14="http://schemas.microsoft.com/office/powerpoint/2010/main" val="1207121375"/>
+        <p14:creationId xmlns:p14="http://schemas.microsoft.com/office/powerpoint/2010/main" val="3196546425"/>
       </p:ext>
     </p:extLst>
   </p:cSld>
@@ -2186,15 +2186,15 @@
         </p:nvSpPr>
         <p:spPr>
           <a:xfrm>
-            <a:off x="944762" y="1463040"/>
-            <a:ext cx="4423767" cy="5120640"/>
+            <a:off x="818794" y="1097280"/>
+            <a:ext cx="3833931" cy="3840480"/>
           </a:xfrm>
         </p:spPr>
         <p:txBody>
           <a:bodyPr anchor="b"/>
           <a:lstStyle>
             <a:lvl1pPr>
-              <a:defRPr sz="4800"/>
+              <a:defRPr sz="4160"/>
             </a:lvl1pPr>
           </a:lstStyle>
           <a:p>
@@ -2218,8 +2218,8 @@
         </p:nvSpPr>
         <p:spPr>
           <a:xfrm>
-            <a:off x="5831087" y="3159765"/>
-            <a:ext cx="6943725" cy="15595600"/>
+            <a:off x="5053608" y="2369824"/>
+            <a:ext cx="6017895" cy="11696700"/>
           </a:xfrm>
         </p:spPr>
         <p:txBody>
@@ -2227,39 +2227,39 @@
           <a:lstStyle>
             <a:lvl1pPr marL="0" indent="0">
               <a:buNone/>
-              <a:defRPr sz="4800"/>
+              <a:defRPr sz="4160"/>
             </a:lvl1pPr>
-            <a:lvl2pPr marL="685800" indent="0">
-              <a:buNone/>
-              <a:defRPr sz="4200"/>
+            <a:lvl2pPr marL="594360" indent="0">
+              <a:buNone/>
+              <a:defRPr sz="3640"/>
             </a:lvl2pPr>
-            <a:lvl3pPr marL="1371600" indent="0">
-              <a:buNone/>
-              <a:defRPr sz="3600"/>
+            <a:lvl3pPr marL="1188720" indent="0">
+              <a:buNone/>
+              <a:defRPr sz="3120"/>
             </a:lvl3pPr>
-            <a:lvl4pPr marL="2057400" indent="0">
-              <a:buNone/>
-              <a:defRPr sz="3000"/>
+            <a:lvl4pPr marL="1783080" indent="0">
+              <a:buNone/>
+              <a:defRPr sz="2600"/>
             </a:lvl4pPr>
-            <a:lvl5pPr marL="2743200" indent="0">
-              <a:buNone/>
-              <a:defRPr sz="3000"/>
+            <a:lvl5pPr marL="2377440" indent="0">
+              <a:buNone/>
+              <a:defRPr sz="2600"/>
             </a:lvl5pPr>
-            <a:lvl6pPr marL="3429000" indent="0">
-              <a:buNone/>
-              <a:defRPr sz="3000"/>
+            <a:lvl6pPr marL="2971800" indent="0">
+              <a:buNone/>
+              <a:defRPr sz="2600"/>
             </a:lvl6pPr>
-            <a:lvl7pPr marL="4114800" indent="0">
-              <a:buNone/>
-              <a:defRPr sz="3000"/>
+            <a:lvl7pPr marL="3566160" indent="0">
+              <a:buNone/>
+              <a:defRPr sz="2600"/>
             </a:lvl7pPr>
-            <a:lvl8pPr marL="4800600" indent="0">
-              <a:buNone/>
-              <a:defRPr sz="3000"/>
+            <a:lvl8pPr marL="4160520" indent="0">
+              <a:buNone/>
+              <a:defRPr sz="2600"/>
             </a:lvl8pPr>
-            <a:lvl9pPr marL="5486400" indent="0">
-              <a:buNone/>
-              <a:defRPr sz="3000"/>
+            <a:lvl9pPr marL="4754880" indent="0">
+              <a:buNone/>
+              <a:defRPr sz="2600"/>
             </a:lvl9pPr>
           </a:lstStyle>
           <a:p>
@@ -2283,8 +2283,8 @@
         </p:nvSpPr>
         <p:spPr>
           <a:xfrm>
-            <a:off x="944762" y="6583680"/>
-            <a:ext cx="4423767" cy="12197082"/>
+            <a:off x="818794" y="4937760"/>
+            <a:ext cx="3833931" cy="9147811"/>
           </a:xfrm>
         </p:spPr>
         <p:txBody>
@@ -2292,39 +2292,39 @@
           <a:lstStyle>
             <a:lvl1pPr marL="0" indent="0">
               <a:buNone/>
-              <a:defRPr sz="2400"/>
+              <a:defRPr sz="2080"/>
             </a:lvl1pPr>
-            <a:lvl2pPr marL="685800" indent="0">
-              <a:buNone/>
-              <a:defRPr sz="2100"/>
+            <a:lvl2pPr marL="594360" indent="0">
+              <a:buNone/>
+              <a:defRPr sz="1820"/>
             </a:lvl2pPr>
-            <a:lvl3pPr marL="1371600" indent="0">
-              <a:buNone/>
-              <a:defRPr sz="1800"/>
+            <a:lvl3pPr marL="1188720" indent="0">
+              <a:buNone/>
+              <a:defRPr sz="1560"/>
             </a:lvl3pPr>
-            <a:lvl4pPr marL="2057400" indent="0">
-              <a:buNone/>
-              <a:defRPr sz="1500"/>
+            <a:lvl4pPr marL="1783080" indent="0">
+              <a:buNone/>
+              <a:defRPr sz="1300"/>
             </a:lvl4pPr>
-            <a:lvl5pPr marL="2743200" indent="0">
-              <a:buNone/>
-              <a:defRPr sz="1500"/>
+            <a:lvl5pPr marL="2377440" indent="0">
+              <a:buNone/>
+              <a:defRPr sz="1300"/>
             </a:lvl5pPr>
-            <a:lvl6pPr marL="3429000" indent="0">
-              <a:buNone/>
-              <a:defRPr sz="1500"/>
+            <a:lvl6pPr marL="2971800" indent="0">
+              <a:buNone/>
+              <a:defRPr sz="1300"/>
             </a:lvl6pPr>
-            <a:lvl7pPr marL="4114800" indent="0">
-              <a:buNone/>
-              <a:defRPr sz="1500"/>
+            <a:lvl7pPr marL="3566160" indent="0">
+              <a:buNone/>
+              <a:defRPr sz="1300"/>
             </a:lvl7pPr>
-            <a:lvl8pPr marL="4800600" indent="0">
-              <a:buNone/>
-              <a:defRPr sz="1500"/>
+            <a:lvl8pPr marL="4160520" indent="0">
+              <a:buNone/>
+              <a:defRPr sz="1300"/>
             </a:lvl8pPr>
-            <a:lvl9pPr marL="5486400" indent="0">
-              <a:buNone/>
-              <a:defRPr sz="1500"/>
+            <a:lvl9pPr marL="4754880" indent="0">
+              <a:buNone/>
+              <a:defRPr sz="1300"/>
             </a:lvl9pPr>
           </a:lstStyle>
           <a:p>
@@ -2353,7 +2353,7 @@
           <a:p>
             <a:fld id="{3B9C3AD5-EB72-4EC3-A7DF-443CA5C7FD88}" type="datetimeFigureOut">
               <a:rPr lang="en-US" smtClean="0"/>
-              <a:t>8/4/2022</a:t>
+              <a:t>9/5/2022</a:t>
             </a:fld>
             <a:endParaRPr lang="en-US"/>
           </a:p>
@@ -2404,7 +2404,7 @@
     </p:spTree>
     <p:extLst>
       <p:ext uri="{BB962C8B-B14F-4D97-AF65-F5344CB8AC3E}">
-        <p14:creationId xmlns:p14="http://schemas.microsoft.com/office/powerpoint/2010/main" val="4102881033"/>
+        <p14:creationId xmlns:p14="http://schemas.microsoft.com/office/powerpoint/2010/main" val="1305182476"/>
       </p:ext>
     </p:extLst>
   </p:cSld>
@@ -2448,8 +2448,8 @@
         </p:nvSpPr>
         <p:spPr>
           <a:xfrm>
-            <a:off x="942975" y="1168405"/>
-            <a:ext cx="11830050" cy="4241802"/>
+            <a:off x="817245" y="876304"/>
+            <a:ext cx="10252710" cy="3181351"/>
           </a:xfrm>
           <a:prstGeom prst="rect">
             <a:avLst/>
@@ -2481,8 +2481,8 @@
         </p:nvSpPr>
         <p:spPr>
           <a:xfrm>
-            <a:off x="942975" y="5842000"/>
-            <a:ext cx="11830050" cy="13924282"/>
+            <a:off x="817245" y="4381500"/>
+            <a:ext cx="10252710" cy="10443211"/>
           </a:xfrm>
           <a:prstGeom prst="rect">
             <a:avLst/>
@@ -2543,8 +2543,8 @@
         </p:nvSpPr>
         <p:spPr>
           <a:xfrm>
-            <a:off x="942975" y="20340325"/>
-            <a:ext cx="3086100" cy="1168400"/>
+            <a:off x="817245" y="15255244"/>
+            <a:ext cx="2674620" cy="876300"/>
           </a:xfrm>
           <a:prstGeom prst="rect">
             <a:avLst/>
@@ -2554,7 +2554,7 @@
           <a:bodyPr vert="horz" lIns="91440" tIns="45720" rIns="91440" bIns="45720" rtlCol="0" anchor="ctr"/>
           <a:lstStyle>
             <a:lvl1pPr algn="l">
-              <a:defRPr sz="1800">
+              <a:defRPr sz="1560">
                 <a:solidFill>
                   <a:schemeClr val="tx1">
                     <a:tint val="75000"/>
@@ -2566,7 +2566,7 @@
           <a:p>
             <a:fld id="{3B9C3AD5-EB72-4EC3-A7DF-443CA5C7FD88}" type="datetimeFigureOut">
               <a:rPr lang="en-US" smtClean="0"/>
-              <a:t>8/4/2022</a:t>
+              <a:t>9/5/2022</a:t>
             </a:fld>
             <a:endParaRPr lang="en-US"/>
           </a:p>
@@ -2584,8 +2584,8 @@
         </p:nvSpPr>
         <p:spPr>
           <a:xfrm>
-            <a:off x="4543425" y="20340325"/>
-            <a:ext cx="4629150" cy="1168400"/>
+            <a:off x="3937635" y="15255244"/>
+            <a:ext cx="4011930" cy="876300"/>
           </a:xfrm>
           <a:prstGeom prst="rect">
             <a:avLst/>
@@ -2595,7 +2595,7 @@
           <a:bodyPr vert="horz" lIns="91440" tIns="45720" rIns="91440" bIns="45720" rtlCol="0" anchor="ctr"/>
           <a:lstStyle>
             <a:lvl1pPr algn="ctr">
-              <a:defRPr sz="1800">
+              <a:defRPr sz="1560">
                 <a:solidFill>
                   <a:schemeClr val="tx1">
                     <a:tint val="75000"/>
@@ -2621,8 +2621,8 @@
         </p:nvSpPr>
         <p:spPr>
           <a:xfrm>
-            <a:off x="9686925" y="20340325"/>
-            <a:ext cx="3086100" cy="1168400"/>
+            <a:off x="8395335" y="15255244"/>
+            <a:ext cx="2674620" cy="876300"/>
           </a:xfrm>
           <a:prstGeom prst="rect">
             <a:avLst/>
@@ -2632,7 +2632,7 @@
           <a:bodyPr vert="horz" lIns="91440" tIns="45720" rIns="91440" bIns="45720" rtlCol="0" anchor="ctr"/>
           <a:lstStyle>
             <a:lvl1pPr algn="r">
-              <a:defRPr sz="1800">
+              <a:defRPr sz="1560">
                 <a:solidFill>
                   <a:schemeClr val="tx1">
                     <a:tint val="75000"/>
@@ -2653,27 +2653,27 @@
     </p:spTree>
     <p:extLst>
       <p:ext uri="{BB962C8B-B14F-4D97-AF65-F5344CB8AC3E}">
-        <p14:creationId xmlns:p14="http://schemas.microsoft.com/office/powerpoint/2010/main" val="3626341867"/>
+        <p14:creationId xmlns:p14="http://schemas.microsoft.com/office/powerpoint/2010/main" val="3153360106"/>
       </p:ext>
     </p:extLst>
   </p:cSld>
   <p:clrMap bg1="lt1" tx1="dk1" bg2="lt2" tx2="dk2" accent1="accent1" accent2="accent2" accent3="accent3" accent4="accent4" accent5="accent5" accent6="accent6" hlink="hlink" folHlink="folHlink"/>
   <p:sldLayoutIdLst>
-    <p:sldLayoutId id="2147483697" r:id="rId1"/>
-    <p:sldLayoutId id="2147483698" r:id="rId2"/>
-    <p:sldLayoutId id="2147483699" r:id="rId3"/>
-    <p:sldLayoutId id="2147483700" r:id="rId4"/>
-    <p:sldLayoutId id="2147483701" r:id="rId5"/>
-    <p:sldLayoutId id="2147483702" r:id="rId6"/>
-    <p:sldLayoutId id="2147483703" r:id="rId7"/>
-    <p:sldLayoutId id="2147483704" r:id="rId8"/>
-    <p:sldLayoutId id="2147483705" r:id="rId9"/>
-    <p:sldLayoutId id="2147483706" r:id="rId10"/>
-    <p:sldLayoutId id="2147483707" r:id="rId11"/>
+    <p:sldLayoutId id="2147483721" r:id="rId1"/>
+    <p:sldLayoutId id="2147483722" r:id="rId2"/>
+    <p:sldLayoutId id="2147483723" r:id="rId3"/>
+    <p:sldLayoutId id="2147483724" r:id="rId4"/>
+    <p:sldLayoutId id="2147483725" r:id="rId5"/>
+    <p:sldLayoutId id="2147483726" r:id="rId6"/>
+    <p:sldLayoutId id="2147483727" r:id="rId7"/>
+    <p:sldLayoutId id="2147483728" r:id="rId8"/>
+    <p:sldLayoutId id="2147483729" r:id="rId9"/>
+    <p:sldLayoutId id="2147483730" r:id="rId10"/>
+    <p:sldLayoutId id="2147483731" r:id="rId11"/>
   </p:sldLayoutIdLst>
   <p:txStyles>
     <p:titleStyle>
-      <a:lvl1pPr algn="l" defTabSz="1371600" rtl="0" eaLnBrk="1" latinLnBrk="0" hangingPunct="1">
+      <a:lvl1pPr algn="l" defTabSz="1188720" rtl="0" eaLnBrk="1" latinLnBrk="0" hangingPunct="1">
         <a:lnSpc>
           <a:spcPct val="90000"/>
         </a:lnSpc>
@@ -2681,7 +2681,7 @@
           <a:spcPct val="0"/>
         </a:spcBef>
         <a:buNone/>
-        <a:defRPr sz="6600" kern="1200">
+        <a:defRPr sz="5720" kern="1200">
           <a:solidFill>
             <a:schemeClr val="tx1"/>
           </a:solidFill>
@@ -2692,16 +2692,16 @@
       </a:lvl1pPr>
     </p:titleStyle>
     <p:bodyStyle>
-      <a:lvl1pPr marL="342900" indent="-342900" algn="l" defTabSz="1371600" rtl="0" eaLnBrk="1" latinLnBrk="0" hangingPunct="1">
+      <a:lvl1pPr marL="297180" indent="-297180" algn="l" defTabSz="1188720" rtl="0" eaLnBrk="1" latinLnBrk="0" hangingPunct="1">
         <a:lnSpc>
           <a:spcPct val="90000"/>
         </a:lnSpc>
         <a:spcBef>
-          <a:spcPts val="1500"/>
+          <a:spcPts val="1300"/>
         </a:spcBef>
         <a:buFont typeface="Arial" panose="020B0604020202020204" pitchFamily="34" charset="0"/>
         <a:buChar char="•"/>
-        <a:defRPr sz="4200" kern="1200">
+        <a:defRPr sz="3640" kern="1200">
           <a:solidFill>
             <a:schemeClr val="tx1"/>
           </a:solidFill>
@@ -2710,16 +2710,16 @@
           <a:cs typeface="+mn-cs"/>
         </a:defRPr>
       </a:lvl1pPr>
-      <a:lvl2pPr marL="1028700" indent="-342900" algn="l" defTabSz="1371600" rtl="0" eaLnBrk="1" latinLnBrk="0" hangingPunct="1">
+      <a:lvl2pPr marL="891540" indent="-297180" algn="l" defTabSz="1188720" rtl="0" eaLnBrk="1" latinLnBrk="0" hangingPunct="1">
         <a:lnSpc>
           <a:spcPct val="90000"/>
         </a:lnSpc>
         <a:spcBef>
-          <a:spcPts val="750"/>
+          <a:spcPts val="650"/>
         </a:spcBef>
         <a:buFont typeface="Arial" panose="020B0604020202020204" pitchFamily="34" charset="0"/>
         <a:buChar char="•"/>
-        <a:defRPr sz="3600" kern="1200">
+        <a:defRPr sz="3120" kern="1200">
           <a:solidFill>
             <a:schemeClr val="tx1"/>
           </a:solidFill>
@@ -2728,16 +2728,16 @@
           <a:cs typeface="+mn-cs"/>
         </a:defRPr>
       </a:lvl2pPr>
-      <a:lvl3pPr marL="1714500" indent="-342900" algn="l" defTabSz="1371600" rtl="0" eaLnBrk="1" latinLnBrk="0" hangingPunct="1">
+      <a:lvl3pPr marL="1485900" indent="-297180" algn="l" defTabSz="1188720" rtl="0" eaLnBrk="1" latinLnBrk="0" hangingPunct="1">
         <a:lnSpc>
           <a:spcPct val="90000"/>
         </a:lnSpc>
         <a:spcBef>
-          <a:spcPts val="750"/>
+          <a:spcPts val="650"/>
         </a:spcBef>
         <a:buFont typeface="Arial" panose="020B0604020202020204" pitchFamily="34" charset="0"/>
         <a:buChar char="•"/>
-        <a:defRPr sz="3000" kern="1200">
+        <a:defRPr sz="2600" kern="1200">
           <a:solidFill>
             <a:schemeClr val="tx1"/>
           </a:solidFill>
@@ -2746,16 +2746,16 @@
           <a:cs typeface="+mn-cs"/>
         </a:defRPr>
       </a:lvl3pPr>
-      <a:lvl4pPr marL="2400300" indent="-342900" algn="l" defTabSz="1371600" rtl="0" eaLnBrk="1" latinLnBrk="0" hangingPunct="1">
+      <a:lvl4pPr marL="2080260" indent="-297180" algn="l" defTabSz="1188720" rtl="0" eaLnBrk="1" latinLnBrk="0" hangingPunct="1">
         <a:lnSpc>
           <a:spcPct val="90000"/>
         </a:lnSpc>
         <a:spcBef>
-          <a:spcPts val="750"/>
+          <a:spcPts val="650"/>
         </a:spcBef>
         <a:buFont typeface="Arial" panose="020B0604020202020204" pitchFamily="34" charset="0"/>
         <a:buChar char="•"/>
-        <a:defRPr sz="2700" kern="1200">
+        <a:defRPr sz="2340" kern="1200">
           <a:solidFill>
             <a:schemeClr val="tx1"/>
           </a:solidFill>
@@ -2764,16 +2764,16 @@
           <a:cs typeface="+mn-cs"/>
         </a:defRPr>
       </a:lvl4pPr>
-      <a:lvl5pPr marL="3086100" indent="-342900" algn="l" defTabSz="1371600" rtl="0" eaLnBrk="1" latinLnBrk="0" hangingPunct="1">
+      <a:lvl5pPr marL="2674620" indent="-297180" algn="l" defTabSz="1188720" rtl="0" eaLnBrk="1" latinLnBrk="0" hangingPunct="1">
         <a:lnSpc>
           <a:spcPct val="90000"/>
         </a:lnSpc>
         <a:spcBef>
-          <a:spcPts val="750"/>
+          <a:spcPts val="650"/>
         </a:spcBef>
         <a:buFont typeface="Arial" panose="020B0604020202020204" pitchFamily="34" charset="0"/>
         <a:buChar char="•"/>
-        <a:defRPr sz="2700" kern="1200">
+        <a:defRPr sz="2340" kern="1200">
           <a:solidFill>
             <a:schemeClr val="tx1"/>
           </a:solidFill>
@@ -2782,16 +2782,16 @@
           <a:cs typeface="+mn-cs"/>
         </a:defRPr>
       </a:lvl5pPr>
-      <a:lvl6pPr marL="3771900" indent="-342900" algn="l" defTabSz="1371600" rtl="0" eaLnBrk="1" latinLnBrk="0" hangingPunct="1">
+      <a:lvl6pPr marL="3268980" indent="-297180" algn="l" defTabSz="1188720" rtl="0" eaLnBrk="1" latinLnBrk="0" hangingPunct="1">
         <a:lnSpc>
           <a:spcPct val="90000"/>
         </a:lnSpc>
         <a:spcBef>
-          <a:spcPts val="750"/>
+          <a:spcPts val="650"/>
         </a:spcBef>
         <a:buFont typeface="Arial" panose="020B0604020202020204" pitchFamily="34" charset="0"/>
         <a:buChar char="•"/>
-        <a:defRPr sz="2700" kern="1200">
+        <a:defRPr sz="2340" kern="1200">
           <a:solidFill>
             <a:schemeClr val="tx1"/>
           </a:solidFill>
@@ -2800,16 +2800,16 @@
           <a:cs typeface="+mn-cs"/>
         </a:defRPr>
       </a:lvl6pPr>
-      <a:lvl7pPr marL="4457700" indent="-342900" algn="l" defTabSz="1371600" rtl="0" eaLnBrk="1" latinLnBrk="0" hangingPunct="1">
+      <a:lvl7pPr marL="3863340" indent="-297180" algn="l" defTabSz="1188720" rtl="0" eaLnBrk="1" latinLnBrk="0" hangingPunct="1">
         <a:lnSpc>
           <a:spcPct val="90000"/>
         </a:lnSpc>
         <a:spcBef>
-          <a:spcPts val="750"/>
+          <a:spcPts val="650"/>
         </a:spcBef>
         <a:buFont typeface="Arial" panose="020B0604020202020204" pitchFamily="34" charset="0"/>
         <a:buChar char="•"/>
-        <a:defRPr sz="2700" kern="1200">
+        <a:defRPr sz="2340" kern="1200">
           <a:solidFill>
             <a:schemeClr val="tx1"/>
           </a:solidFill>
@@ -2818,16 +2818,16 @@
           <a:cs typeface="+mn-cs"/>
         </a:defRPr>
       </a:lvl7pPr>
-      <a:lvl8pPr marL="5143500" indent="-342900" algn="l" defTabSz="1371600" rtl="0" eaLnBrk="1" latinLnBrk="0" hangingPunct="1">
+      <a:lvl8pPr marL="4457700" indent="-297180" algn="l" defTabSz="1188720" rtl="0" eaLnBrk="1" latinLnBrk="0" hangingPunct="1">
         <a:lnSpc>
           <a:spcPct val="90000"/>
         </a:lnSpc>
         <a:spcBef>
-          <a:spcPts val="750"/>
+          <a:spcPts val="650"/>
         </a:spcBef>
         <a:buFont typeface="Arial" panose="020B0604020202020204" pitchFamily="34" charset="0"/>
         <a:buChar char="•"/>
-        <a:defRPr sz="2700" kern="1200">
+        <a:defRPr sz="2340" kern="1200">
           <a:solidFill>
             <a:schemeClr val="tx1"/>
           </a:solidFill>
@@ -2836,16 +2836,16 @@
           <a:cs typeface="+mn-cs"/>
         </a:defRPr>
       </a:lvl8pPr>
-      <a:lvl9pPr marL="5829300" indent="-342900" algn="l" defTabSz="1371600" rtl="0" eaLnBrk="1" latinLnBrk="0" hangingPunct="1">
+      <a:lvl9pPr marL="5052060" indent="-297180" algn="l" defTabSz="1188720" rtl="0" eaLnBrk="1" latinLnBrk="0" hangingPunct="1">
         <a:lnSpc>
           <a:spcPct val="90000"/>
         </a:lnSpc>
         <a:spcBef>
-          <a:spcPts val="750"/>
+          <a:spcPts val="650"/>
         </a:spcBef>
         <a:buFont typeface="Arial" panose="020B0604020202020204" pitchFamily="34" charset="0"/>
         <a:buChar char="•"/>
-        <a:defRPr sz="2700" kern="1200">
+        <a:defRPr sz="2340" kern="1200">
           <a:solidFill>
             <a:schemeClr val="tx1"/>
           </a:solidFill>
@@ -2859,8 +2859,8 @@
       <a:defPPr>
         <a:defRPr lang="en-US"/>
       </a:defPPr>
-      <a:lvl1pPr marL="0" algn="l" defTabSz="1371600" rtl="0" eaLnBrk="1" latinLnBrk="0" hangingPunct="1">
-        <a:defRPr sz="2700" kern="1200">
+      <a:lvl1pPr marL="0" algn="l" defTabSz="1188720" rtl="0" eaLnBrk="1" latinLnBrk="0" hangingPunct="1">
+        <a:defRPr sz="2340" kern="1200">
           <a:solidFill>
             <a:schemeClr val="tx1"/>
           </a:solidFill>
@@ -2869,8 +2869,8 @@
           <a:cs typeface="+mn-cs"/>
         </a:defRPr>
       </a:lvl1pPr>
-      <a:lvl2pPr marL="685800" algn="l" defTabSz="1371600" rtl="0" eaLnBrk="1" latinLnBrk="0" hangingPunct="1">
-        <a:defRPr sz="2700" kern="1200">
+      <a:lvl2pPr marL="594360" algn="l" defTabSz="1188720" rtl="0" eaLnBrk="1" latinLnBrk="0" hangingPunct="1">
+        <a:defRPr sz="2340" kern="1200">
           <a:solidFill>
             <a:schemeClr val="tx1"/>
           </a:solidFill>
@@ -2879,8 +2879,8 @@
           <a:cs typeface="+mn-cs"/>
         </a:defRPr>
       </a:lvl2pPr>
-      <a:lvl3pPr marL="1371600" algn="l" defTabSz="1371600" rtl="0" eaLnBrk="1" latinLnBrk="0" hangingPunct="1">
-        <a:defRPr sz="2700" kern="1200">
+      <a:lvl3pPr marL="1188720" algn="l" defTabSz="1188720" rtl="0" eaLnBrk="1" latinLnBrk="0" hangingPunct="1">
+        <a:defRPr sz="2340" kern="1200">
           <a:solidFill>
             <a:schemeClr val="tx1"/>
           </a:solidFill>
@@ -2889,8 +2889,8 @@
           <a:cs typeface="+mn-cs"/>
         </a:defRPr>
       </a:lvl3pPr>
-      <a:lvl4pPr marL="2057400" algn="l" defTabSz="1371600" rtl="0" eaLnBrk="1" latinLnBrk="0" hangingPunct="1">
-        <a:defRPr sz="2700" kern="1200">
+      <a:lvl4pPr marL="1783080" algn="l" defTabSz="1188720" rtl="0" eaLnBrk="1" latinLnBrk="0" hangingPunct="1">
+        <a:defRPr sz="2340" kern="1200">
           <a:solidFill>
             <a:schemeClr val="tx1"/>
           </a:solidFill>
@@ -2899,8 +2899,8 @@
           <a:cs typeface="+mn-cs"/>
         </a:defRPr>
       </a:lvl4pPr>
-      <a:lvl5pPr marL="2743200" algn="l" defTabSz="1371600" rtl="0" eaLnBrk="1" latinLnBrk="0" hangingPunct="1">
-        <a:defRPr sz="2700" kern="1200">
+      <a:lvl5pPr marL="2377440" algn="l" defTabSz="1188720" rtl="0" eaLnBrk="1" latinLnBrk="0" hangingPunct="1">
+        <a:defRPr sz="2340" kern="1200">
           <a:solidFill>
             <a:schemeClr val="tx1"/>
           </a:solidFill>
@@ -2909,8 +2909,8 @@
           <a:cs typeface="+mn-cs"/>
         </a:defRPr>
       </a:lvl5pPr>
-      <a:lvl6pPr marL="3429000" algn="l" defTabSz="1371600" rtl="0" eaLnBrk="1" latinLnBrk="0" hangingPunct="1">
-        <a:defRPr sz="2700" kern="1200">
+      <a:lvl6pPr marL="2971800" algn="l" defTabSz="1188720" rtl="0" eaLnBrk="1" latinLnBrk="0" hangingPunct="1">
+        <a:defRPr sz="2340" kern="1200">
           <a:solidFill>
             <a:schemeClr val="tx1"/>
           </a:solidFill>
@@ -2919,8 +2919,8 @@
           <a:cs typeface="+mn-cs"/>
         </a:defRPr>
       </a:lvl6pPr>
-      <a:lvl7pPr marL="4114800" algn="l" defTabSz="1371600" rtl="0" eaLnBrk="1" latinLnBrk="0" hangingPunct="1">
-        <a:defRPr sz="2700" kern="1200">
+      <a:lvl7pPr marL="3566160" algn="l" defTabSz="1188720" rtl="0" eaLnBrk="1" latinLnBrk="0" hangingPunct="1">
+        <a:defRPr sz="2340" kern="1200">
           <a:solidFill>
             <a:schemeClr val="tx1"/>
           </a:solidFill>
@@ -2929,8 +2929,8 @@
           <a:cs typeface="+mn-cs"/>
         </a:defRPr>
       </a:lvl7pPr>
-      <a:lvl8pPr marL="4800600" algn="l" defTabSz="1371600" rtl="0" eaLnBrk="1" latinLnBrk="0" hangingPunct="1">
-        <a:defRPr sz="2700" kern="1200">
+      <a:lvl8pPr marL="4160520" algn="l" defTabSz="1188720" rtl="0" eaLnBrk="1" latinLnBrk="0" hangingPunct="1">
+        <a:defRPr sz="2340" kern="1200">
           <a:solidFill>
             <a:schemeClr val="tx1"/>
           </a:solidFill>
@@ -2939,8 +2939,8 @@
           <a:cs typeface="+mn-cs"/>
         </a:defRPr>
       </a:lvl8pPr>
-      <a:lvl9pPr marL="5486400" algn="l" defTabSz="1371600" rtl="0" eaLnBrk="1" latinLnBrk="0" hangingPunct="1">
-        <a:defRPr sz="2700" kern="1200">
+      <a:lvl9pPr marL="4754880" algn="l" defTabSz="1188720" rtl="0" eaLnBrk="1" latinLnBrk="0" hangingPunct="1">
+        <a:defRPr sz="2340" kern="1200">
           <a:solidFill>
             <a:schemeClr val="tx1"/>
           </a:solidFill>
@@ -2973,10 +2973,10 @@
       </p:grpSpPr>
       <p:grpSp>
         <p:nvGrpSpPr>
-          <p:cNvPr id="3" name="Group 2">
+          <p:cNvPr id="30" name="Group 29">
             <a:extLst>
               <a:ext uri="{FF2B5EF4-FFF2-40B4-BE49-F238E27FC236}">
-                <a16:creationId xmlns:a16="http://schemas.microsoft.com/office/drawing/2014/main" id="{3BC4DA34-F5B7-4000-98BF-BE1A9E8411B5}"/>
+                <a16:creationId xmlns:a16="http://schemas.microsoft.com/office/drawing/2014/main" id="{FF2CFED0-F0E4-4D13-BA26-1A59D7AC85E7}"/>
               </a:ext>
             </a:extLst>
           </p:cNvPr>
@@ -2985,10 +2985,10 @@
         </p:nvGrpSpPr>
         <p:grpSpPr>
           <a:xfrm>
-            <a:off x="790325" y="156468"/>
-            <a:ext cx="10710425" cy="15635166"/>
-            <a:chOff x="790325" y="156468"/>
-            <a:chExt cx="10710425" cy="15635166"/>
+            <a:off x="787173" y="326982"/>
+            <a:ext cx="10710425" cy="15805236"/>
+            <a:chOff x="787171" y="1201624"/>
+            <a:chExt cx="10710425" cy="15805236"/>
           </a:xfrm>
         </p:grpSpPr>
         <p:sp>
@@ -3005,7 +3005,7 @@
           </p:nvSpPr>
           <p:spPr>
             <a:xfrm>
-              <a:off x="2953448" y="937387"/>
+              <a:off x="3536976" y="1970949"/>
               <a:ext cx="4804501" cy="4094326"/>
             </a:xfrm>
             <a:prstGeom prst="flowChartProcess">
@@ -3055,7 +3055,7 @@
               </a:r>
             </a:p>
             <a:p>
-              <a:pPr marL="342900" indent="-342900">
+              <a:pPr marL="342907" indent="-342907">
                 <a:buFont typeface="+mj-lt"/>
                 <a:buAutoNum type="arabicPeriod"/>
               </a:pPr>
@@ -3071,7 +3071,7 @@
               </a:r>
             </a:p>
             <a:p>
-              <a:pPr marL="342900" indent="-342900">
+              <a:pPr marL="342907" indent="-342907">
                 <a:buFont typeface="+mj-lt"/>
                 <a:buAutoNum type="arabicPeriod"/>
               </a:pPr>
@@ -3087,7 +3087,7 @@
               </a:r>
             </a:p>
             <a:p>
-              <a:pPr marL="342900" indent="-342900">
+              <a:pPr marL="342907" indent="-342907">
                 <a:buFont typeface="+mj-lt"/>
                 <a:buAutoNum type="arabicPeriod"/>
               </a:pPr>
@@ -3103,7 +3103,7 @@
               </a:r>
             </a:p>
             <a:p>
-              <a:pPr marL="342900" indent="-342900">
+              <a:pPr marL="342907" indent="-342907">
                 <a:buFont typeface="+mj-lt"/>
                 <a:buAutoNum type="arabicPeriod"/>
               </a:pPr>
@@ -3119,7 +3119,7 @@
               </a:r>
             </a:p>
             <a:p>
-              <a:pPr marL="342900" indent="-342900">
+              <a:pPr marL="342907" indent="-342907">
                 <a:buFont typeface="+mj-lt"/>
                 <a:buAutoNum type="arabicPeriod"/>
               </a:pPr>
@@ -3135,7 +3135,7 @@
               </a:r>
             </a:p>
             <a:p>
-              <a:pPr marL="342900" indent="-342900">
+              <a:pPr marL="342907" indent="-342907">
                 <a:buFont typeface="+mj-lt"/>
                 <a:buAutoNum type="arabicPeriod"/>
               </a:pPr>
@@ -3171,7 +3171,7 @@
               </a:r>
             </a:p>
             <a:p>
-              <a:pPr marL="342900" indent="-342900">
+              <a:pPr marL="342907" indent="-342907">
                 <a:buFont typeface="+mj-lt"/>
                 <a:buAutoNum type="arabicPeriod"/>
               </a:pPr>
@@ -3207,7 +3207,7 @@
               </a:r>
             </a:p>
             <a:p>
-              <a:pPr marL="342900" indent="-342900">
+              <a:pPr marL="342907" indent="-342907">
                 <a:buFont typeface="+mj-lt"/>
                 <a:buAutoNum type="arabicPeriod"/>
               </a:pPr>
@@ -3238,7 +3238,7 @@
           </p:nvSpPr>
           <p:spPr>
             <a:xfrm>
-              <a:off x="965821" y="5802325"/>
+              <a:off x="962667" y="6988041"/>
               <a:ext cx="3785746" cy="2191916"/>
             </a:xfrm>
             <a:prstGeom prst="rect">
@@ -3288,7 +3288,7 @@
               </a:r>
             </a:p>
             <a:p>
-              <a:pPr marL="342900" indent="-342900">
+              <a:pPr marL="342907" indent="-342907">
                 <a:buFont typeface="+mj-lt"/>
                 <a:buAutoNum type="arabicPeriod"/>
               </a:pPr>
@@ -3304,7 +3304,7 @@
               </a:r>
             </a:p>
             <a:p>
-              <a:pPr marL="342900" indent="-342900">
+              <a:pPr marL="342907" indent="-342907">
                 <a:buFont typeface="+mj-lt"/>
                 <a:buAutoNum type="arabicPeriod"/>
               </a:pPr>
@@ -3320,7 +3320,7 @@
               </a:r>
             </a:p>
             <a:p>
-              <a:pPr marL="342900" indent="-342900">
+              <a:pPr marL="342907" indent="-342907">
                 <a:buFont typeface="+mj-lt"/>
                 <a:buAutoNum type="arabicPeriod"/>
               </a:pPr>
@@ -3336,7 +3336,7 @@
               </a:r>
             </a:p>
             <a:p>
-              <a:pPr marL="342900" indent="-342900">
+              <a:pPr marL="342907" indent="-342907">
                 <a:buFont typeface="+mj-lt"/>
                 <a:buAutoNum type="arabicPeriod"/>
               </a:pPr>
@@ -3352,7 +3352,7 @@
               </a:r>
             </a:p>
             <a:p>
-              <a:pPr marL="342900" indent="-342900">
+              <a:pPr marL="342907" indent="-342907">
                 <a:buFont typeface="+mj-lt"/>
                 <a:buAutoNum type="arabicPeriod"/>
               </a:pPr>
@@ -3387,8 +3387,8 @@
           </p:nvCxnSpPr>
           <p:spPr>
             <a:xfrm>
-              <a:off x="5355698" y="577340"/>
-              <a:ext cx="1" cy="360047"/>
+              <a:off x="5939226" y="1622496"/>
+              <a:ext cx="1" cy="348453"/>
             </a:xfrm>
             <a:prstGeom prst="straightConnector1">
               <a:avLst/>
@@ -3429,7 +3429,7 @@
           </p:nvSpPr>
           <p:spPr>
             <a:xfrm>
-              <a:off x="1161546" y="9863157"/>
+              <a:off x="1158392" y="11048873"/>
               <a:ext cx="3412665" cy="1058579"/>
             </a:xfrm>
             <a:prstGeom prst="rect">
@@ -3466,7 +3466,7 @@
             <a:bodyPr rtlCol="0" anchor="ctr"/>
             <a:lstStyle/>
             <a:p>
-              <a:pPr marL="342900" indent="-342900">
+              <a:pPr marL="342907" indent="-342907">
                 <a:buFont typeface="+mj-lt"/>
                 <a:buAutoNum type="arabicPeriod"/>
               </a:pPr>
@@ -3482,7 +3482,7 @@
               </a:r>
             </a:p>
             <a:p>
-              <a:pPr marL="342900" indent="-342900">
+              <a:pPr marL="342907" indent="-342907">
                 <a:buFont typeface="+mj-lt"/>
                 <a:buAutoNum type="arabicPeriod"/>
               </a:pPr>
@@ -3498,7 +3498,7 @@
               </a:r>
             </a:p>
             <a:p>
-              <a:pPr marL="342900" indent="-342900">
+              <a:pPr marL="342907" indent="-342907">
                 <a:buFont typeface="+mj-lt"/>
                 <a:buAutoNum type="arabicPeriod"/>
               </a:pPr>
@@ -3529,7 +3529,7 @@
           </p:nvSpPr>
           <p:spPr>
             <a:xfrm>
-              <a:off x="1506729" y="8271965"/>
+              <a:off x="1503575" y="9457681"/>
               <a:ext cx="2722300" cy="1127074"/>
             </a:xfrm>
             <a:prstGeom prst="flowChartDecision">
@@ -3594,7 +3594,7 @@
           </p:nvSpPr>
           <p:spPr>
             <a:xfrm>
-              <a:off x="6072396" y="6516277"/>
+              <a:off x="6069242" y="7701993"/>
               <a:ext cx="4450008" cy="1069467"/>
             </a:xfrm>
             <a:prstGeom prst="rect">
@@ -3644,7 +3644,7 @@
               </a:r>
             </a:p>
             <a:p>
-              <a:pPr marL="342900" indent="-342900">
+              <a:pPr marL="342907" indent="-342907">
                 <a:buFont typeface="+mj-lt"/>
                 <a:buAutoNum type="arabicPeriod"/>
               </a:pPr>
@@ -3660,7 +3660,7 @@
               </a:r>
             </a:p>
             <a:p>
-              <a:pPr marL="342900" indent="-342900">
+              <a:pPr marL="342907" indent="-342907">
                 <a:buFont typeface="+mj-lt"/>
                 <a:buAutoNum type="arabicPeriod"/>
               </a:pPr>
@@ -3691,7 +3691,7 @@
           </p:nvSpPr>
           <p:spPr>
             <a:xfrm>
-              <a:off x="6072396" y="5802325"/>
+              <a:off x="6069242" y="6988041"/>
               <a:ext cx="4450011" cy="418064"/>
             </a:xfrm>
             <a:prstGeom prst="rect">
@@ -3758,7 +3758,7 @@
               </p:nvSpPr>
               <p:spPr>
                 <a:xfrm>
-                  <a:off x="7331924" y="7881632"/>
+                  <a:off x="7328770" y="9067348"/>
                   <a:ext cx="1934867" cy="1036622"/>
                 </a:xfrm>
                 <a:prstGeom prst="flowChartDecision">
@@ -3810,7 +3810,7 @@
                       <m:sSub>
                         <m:sSubPr>
                           <m:ctrlPr>
-                            <a:rPr lang="en-US" sz="2000" i="1" smtClean="0">
+                            <a:rPr lang="en-US" sz="2000" i="1">
                               <a:solidFill>
                                 <a:schemeClr val="tx1"/>
                               </a:solidFill>
@@ -3821,7 +3821,7 @@
                         </m:sSubPr>
                         <m:e>
                           <m:r>
-                            <a:rPr lang="en-US" sz="2000" b="0" i="1" smtClean="0">
+                            <a:rPr lang="en-US" sz="2000" i="1">
                               <a:solidFill>
                                 <a:schemeClr val="tx1"/>
                               </a:solidFill>
@@ -3833,7 +3833,7 @@
                         </m:e>
                         <m:sub>
                           <m:r>
-                            <a:rPr lang="en-US" sz="2000" b="0" i="1" smtClean="0">
+                            <a:rPr lang="en-US" sz="2000" i="1">
                               <a:solidFill>
                                 <a:schemeClr val="tx1"/>
                               </a:solidFill>
@@ -3877,7 +3877,7 @@
               </p:nvSpPr>
               <p:spPr>
                 <a:xfrm>
-                  <a:off x="7331924" y="7881632"/>
+                  <a:off x="7328770" y="9067348"/>
                   <a:ext cx="1934867" cy="1036622"/>
                 </a:xfrm>
                 <a:prstGeom prst="flowChartDecision">
@@ -3924,7 +3924,7 @@
           </p:nvSpPr>
           <p:spPr>
             <a:xfrm>
-              <a:off x="6323799" y="9399039"/>
+              <a:off x="6320645" y="10584755"/>
               <a:ext cx="3951116" cy="1382933"/>
             </a:xfrm>
             <a:prstGeom prst="flowChartDecision">
@@ -3989,7 +3989,7 @@
           </p:nvSpPr>
           <p:spPr>
             <a:xfrm>
-              <a:off x="6196764" y="11348737"/>
+              <a:off x="6193610" y="12534453"/>
               <a:ext cx="4205186" cy="1682091"/>
             </a:xfrm>
             <a:prstGeom prst="flowChartDecision">
@@ -4054,7 +4054,7 @@
           </p:nvSpPr>
           <p:spPr>
             <a:xfrm>
-              <a:off x="5349694" y="13589717"/>
+              <a:off x="5346540" y="14775433"/>
               <a:ext cx="6151056" cy="1415625"/>
             </a:xfrm>
             <a:prstGeom prst="parallelogram">
@@ -4104,7 +4104,7 @@
               </a:r>
             </a:p>
             <a:p>
-              <a:pPr marL="342900" indent="-342900">
+              <a:pPr marL="342907" indent="-342907">
                 <a:buFont typeface="+mj-lt"/>
                 <a:buAutoNum type="arabicPeriod"/>
               </a:pPr>
@@ -4120,7 +4120,7 @@
               </a:r>
             </a:p>
             <a:p>
-              <a:pPr marL="342900" indent="-342900">
+              <a:pPr marL="342907" indent="-342907">
                 <a:buFont typeface="+mj-lt"/>
                 <a:buAutoNum type="arabicPeriod"/>
               </a:pPr>
@@ -4136,7 +4136,7 @@
               </a:r>
             </a:p>
             <a:p>
-              <a:pPr marL="342900" indent="-342900">
+              <a:pPr marL="342907" indent="-342907">
                 <a:buFont typeface="+mj-lt"/>
                 <a:buAutoNum type="arabicPeriod"/>
               </a:pPr>
@@ -4167,7 +4167,7 @@
           </p:nvSpPr>
           <p:spPr>
             <a:xfrm>
-              <a:off x="4669365" y="156468"/>
+              <a:off x="5252893" y="1201624"/>
               <a:ext cx="1372666" cy="420872"/>
             </a:xfrm>
             <a:prstGeom prst="flowChartTerminator">
@@ -4232,7 +4232,7 @@
           </p:nvSpPr>
           <p:spPr>
             <a:xfrm>
-              <a:off x="4806415" y="15336827"/>
+              <a:off x="5397967" y="16552053"/>
               <a:ext cx="1098566" cy="454807"/>
             </a:xfrm>
             <a:prstGeom prst="flowChartTerminator">
@@ -4297,7 +4297,7 @@
           </p:nvSpPr>
           <p:spPr>
             <a:xfrm>
-              <a:off x="1360507" y="11282470"/>
+              <a:off x="1357353" y="12468186"/>
               <a:ext cx="3014742" cy="1382934"/>
             </a:xfrm>
             <a:prstGeom prst="flowChartDecision">
@@ -4362,7 +4362,7 @@
           </p:nvSpPr>
           <p:spPr>
             <a:xfrm>
-              <a:off x="1236136" y="13151094"/>
+              <a:off x="1232982" y="14336810"/>
               <a:ext cx="3263483" cy="1198926"/>
             </a:xfrm>
             <a:prstGeom prst="diamond">
@@ -4431,8 +4431,8 @@
           </p:nvCxnSpPr>
           <p:spPr>
             <a:xfrm rot="5400000">
-              <a:off x="6797181" y="14113142"/>
-              <a:ext cx="558889" cy="2343288"/>
+              <a:off x="7076625" y="15610966"/>
+              <a:ext cx="588399" cy="1748582"/>
             </a:xfrm>
             <a:prstGeom prst="bentConnector2">
               <a:avLst/>
@@ -4476,7 +4476,7 @@
           </p:nvCxnSpPr>
           <p:spPr>
             <a:xfrm>
-              <a:off x="8299357" y="13030828"/>
+              <a:off x="8296203" y="14216544"/>
               <a:ext cx="0" cy="566765"/>
             </a:xfrm>
             <a:prstGeom prst="straightConnector1">
@@ -4521,7 +4521,7 @@
           </p:nvCxnSpPr>
           <p:spPr>
             <a:xfrm>
-              <a:off x="8299357" y="10781972"/>
+              <a:off x="8296203" y="11967688"/>
               <a:ext cx="0" cy="566765"/>
             </a:xfrm>
             <a:prstGeom prst="straightConnector1">
@@ -4566,7 +4566,7 @@
           </p:nvCxnSpPr>
           <p:spPr>
             <a:xfrm flipH="1">
-              <a:off x="8299357" y="8918254"/>
+              <a:off x="8296203" y="10103970"/>
               <a:ext cx="1" cy="480785"/>
             </a:xfrm>
             <a:prstGeom prst="straightConnector1">
@@ -4611,7 +4611,7 @@
           </p:nvCxnSpPr>
           <p:spPr>
             <a:xfrm flipH="1">
-              <a:off x="2867878" y="10921736"/>
+              <a:off x="2864724" y="12107452"/>
               <a:ext cx="1" cy="360734"/>
             </a:xfrm>
             <a:prstGeom prst="straightConnector1">
@@ -4656,7 +4656,7 @@
           </p:nvCxnSpPr>
           <p:spPr>
             <a:xfrm>
-              <a:off x="2867878" y="12665404"/>
+              <a:off x="2864724" y="13851120"/>
               <a:ext cx="0" cy="485690"/>
             </a:xfrm>
             <a:prstGeom prst="straightConnector1">
@@ -4702,7 +4702,7 @@
           </p:nvCxnSpPr>
           <p:spPr>
             <a:xfrm>
-              <a:off x="2858694" y="7994241"/>
+              <a:off x="2855540" y="9179957"/>
               <a:ext cx="9185" cy="277724"/>
             </a:xfrm>
             <a:prstGeom prst="straightConnector1">
@@ -4748,7 +4748,7 @@
           </p:nvCxnSpPr>
           <p:spPr>
             <a:xfrm>
-              <a:off x="2867879" y="9399039"/>
+              <a:off x="2864725" y="10584755"/>
               <a:ext cx="0" cy="464118"/>
             </a:xfrm>
             <a:prstGeom prst="straightConnector1">
@@ -4793,7 +4793,7 @@
           </p:nvCxnSpPr>
           <p:spPr>
             <a:xfrm rot="10800000">
-              <a:off x="965822" y="6898283"/>
+              <a:off x="962668" y="8083999"/>
               <a:ext cx="270315" cy="6852274"/>
             </a:xfrm>
             <a:prstGeom prst="bentConnector3">
@@ -4841,7 +4841,7 @@
           </p:nvCxnSpPr>
           <p:spPr>
             <a:xfrm flipV="1">
-              <a:off x="4499619" y="6011357"/>
+              <a:off x="4496465" y="7197073"/>
               <a:ext cx="1572777" cy="7739200"/>
             </a:xfrm>
             <a:prstGeom prst="bentConnector3">
@@ -4889,7 +4889,7 @@
           </p:nvCxnSpPr>
           <p:spPr>
             <a:xfrm>
-              <a:off x="4375249" y="11973937"/>
+              <a:off x="4372095" y="13159653"/>
               <a:ext cx="1151398" cy="2323593"/>
             </a:xfrm>
             <a:prstGeom prst="bentConnector3">
@@ -4936,7 +4936,7 @@
           </p:nvCxnSpPr>
           <p:spPr>
             <a:xfrm>
-              <a:off x="8297400" y="7585744"/>
+              <a:off x="8294246" y="8771460"/>
               <a:ext cx="1958" cy="295888"/>
             </a:xfrm>
             <a:prstGeom prst="straightConnector1">
@@ -4981,7 +4981,7 @@
           </p:nvCxnSpPr>
           <p:spPr>
             <a:xfrm rot="10800000">
-              <a:off x="6072397" y="7051012"/>
+              <a:off x="6069243" y="8236728"/>
               <a:ext cx="251403" cy="3039495"/>
             </a:xfrm>
             <a:prstGeom prst="bentConnector3">
@@ -5028,7 +5028,7 @@
           </p:nvCxnSpPr>
           <p:spPr>
             <a:xfrm>
-              <a:off x="4229029" y="8835502"/>
+              <a:off x="4225875" y="10021218"/>
               <a:ext cx="844588" cy="3138435"/>
             </a:xfrm>
             <a:prstGeom prst="bentConnector2">
@@ -5073,8 +5073,8 @@
           </p:nvCxnSpPr>
           <p:spPr>
             <a:xfrm rot="5400000">
-              <a:off x="3721891" y="4168517"/>
-              <a:ext cx="770612" cy="2497005"/>
+              <a:off x="3936001" y="4984815"/>
+              <a:ext cx="922766" cy="3083687"/>
             </a:xfrm>
             <a:prstGeom prst="bentConnector3">
               <a:avLst/>
@@ -5111,19 +5111,20 @@
               </a:extLst>
             </p:cNvPr>
             <p:cNvCxnSpPr>
+              <a:cxnSpLocks/>
               <a:stCxn id="199" idx="3"/>
             </p:cNvCxnSpPr>
             <p:nvPr/>
           </p:nvCxnSpPr>
           <p:spPr>
             <a:xfrm flipH="1" flipV="1">
-              <a:off x="5355698" y="5411894"/>
-              <a:ext cx="5046252" cy="6777889"/>
+              <a:off x="5991650" y="6526658"/>
+              <a:ext cx="4407146" cy="6848841"/>
             </a:xfrm>
             <a:prstGeom prst="bentConnector4">
               <a:avLst>
-                <a:gd name="adj1" fmla="val -12986"/>
-                <a:gd name="adj2" fmla="val 100075"/>
+                <a:gd name="adj1" fmla="val -15814"/>
+                <a:gd name="adj2" fmla="val 99993"/>
               </a:avLst>
             </a:prstGeom>
             <a:ln w="76200">
@@ -5164,7 +5165,7 @@
           </p:nvCxnSpPr>
           <p:spPr>
             <a:xfrm>
-              <a:off x="9266791" y="8399943"/>
+              <a:off x="9263637" y="9585659"/>
               <a:ext cx="1787108" cy="0"/>
             </a:xfrm>
             <a:prstGeom prst="straightConnector1">
@@ -5206,7 +5207,7 @@
           </p:nvSpPr>
           <p:spPr>
             <a:xfrm>
-              <a:off x="4203387" y="8842017"/>
+              <a:off x="4200233" y="10027733"/>
               <a:ext cx="621307" cy="461665"/>
             </a:xfrm>
             <a:prstGeom prst="rect">
@@ -5244,7 +5245,7 @@
           </p:nvSpPr>
           <p:spPr>
             <a:xfrm>
-              <a:off x="2938072" y="12564473"/>
+              <a:off x="2934918" y="13750189"/>
               <a:ext cx="621307" cy="461665"/>
             </a:xfrm>
             <a:prstGeom prst="rect">
@@ -5282,7 +5283,7 @@
           </p:nvSpPr>
           <p:spPr>
             <a:xfrm>
-              <a:off x="790325" y="13774582"/>
+              <a:off x="787171" y="14960298"/>
               <a:ext cx="621307" cy="461665"/>
             </a:xfrm>
             <a:prstGeom prst="rect">
@@ -5320,7 +5321,7 @@
           </p:nvSpPr>
           <p:spPr>
             <a:xfrm>
-              <a:off x="9249615" y="8451044"/>
+              <a:off x="9246461" y="9636760"/>
               <a:ext cx="621307" cy="461665"/>
             </a:xfrm>
             <a:prstGeom prst="rect">
@@ -5358,7 +5359,7 @@
           </p:nvSpPr>
           <p:spPr>
             <a:xfrm>
-              <a:off x="10348559" y="12242333"/>
+              <a:off x="10345405" y="13428049"/>
               <a:ext cx="621307" cy="461665"/>
             </a:xfrm>
             <a:prstGeom prst="rect">
@@ -5396,7 +5397,7 @@
           </p:nvSpPr>
           <p:spPr>
             <a:xfrm>
-              <a:off x="8391315" y="10712387"/>
+              <a:off x="8388161" y="11898103"/>
               <a:ext cx="621307" cy="461665"/>
             </a:xfrm>
             <a:prstGeom prst="rect">
@@ -5434,7 +5435,7 @@
           </p:nvSpPr>
           <p:spPr>
             <a:xfrm>
-              <a:off x="5769107" y="10130630"/>
+              <a:off x="5765953" y="11316346"/>
               <a:ext cx="705900" cy="461665"/>
             </a:xfrm>
             <a:prstGeom prst="rect">
@@ -5472,7 +5473,7 @@
           </p:nvSpPr>
           <p:spPr>
             <a:xfrm>
-              <a:off x="7638731" y="12946225"/>
+              <a:off x="7635577" y="14131941"/>
               <a:ext cx="705900" cy="461665"/>
             </a:xfrm>
             <a:prstGeom prst="rect">
@@ -5510,7 +5511,7 @@
           </p:nvSpPr>
           <p:spPr>
             <a:xfrm>
-              <a:off x="7566483" y="8800838"/>
+              <a:off x="7563329" y="9986554"/>
               <a:ext cx="705900" cy="461665"/>
             </a:xfrm>
             <a:prstGeom prst="rect">
@@ -5548,7 +5549,7 @@
           </p:nvSpPr>
           <p:spPr>
             <a:xfrm>
-              <a:off x="2192267" y="9293328"/>
+              <a:off x="2189113" y="10479044"/>
               <a:ext cx="705900" cy="461665"/>
             </a:xfrm>
             <a:prstGeom prst="rect">
@@ -5586,7 +5587,7 @@
           </p:nvSpPr>
           <p:spPr>
             <a:xfrm>
-              <a:off x="4277393" y="13747841"/>
+              <a:off x="4274239" y="14933557"/>
               <a:ext cx="705900" cy="461665"/>
             </a:xfrm>
             <a:prstGeom prst="rect">
